--- a/Slide-MP3.pptx
+++ b/Slide-MP3.pptx
@@ -4,6 +4,9 @@
   <p:sldMasterIdLst>
     <p:sldMasterId id="2147483673" r:id="rId4"/>
   </p:sldMasterIdLst>
+  <p:notesMasterIdLst>
+    <p:notesMasterId r:id="rId15"/>
+  </p:notesMasterIdLst>
   <p:sldIdLst>
     <p:sldId id="257" r:id="rId5"/>
     <p:sldId id="263" r:id="rId6"/>
@@ -119,6 +122,355 @@
     </p:ext>
   </p:extLst>
 </p:presentation>
+</file>
+
+<file path=ppt/notesMasters/notesMaster1.xml><?xml version="1.0" encoding="utf-8"?>
+<p:notesMaster xmlns:a="http://schemas.openxmlformats.org/drawingml/2006/main" xmlns:r="http://schemas.openxmlformats.org/officeDocument/2006/relationships" xmlns:p="http://schemas.openxmlformats.org/presentationml/2006/main">
+  <p:cSld>
+    <p:bg>
+      <p:bgRef idx="1001">
+        <a:schemeClr val="bg1"/>
+      </p:bgRef>
+    </p:bg>
+    <p:spTree>
+      <p:nvGrpSpPr>
+        <p:cNvPr id="1" name=""/>
+        <p:cNvGrpSpPr/>
+        <p:nvPr/>
+      </p:nvGrpSpPr>
+      <p:grpSpPr>
+        <a:xfrm>
+          <a:off x="0" y="0"/>
+          <a:ext cx="0" cy="0"/>
+          <a:chOff x="0" y="0"/>
+          <a:chExt cx="0" cy="0"/>
+        </a:xfrm>
+      </p:grpSpPr>
+      <p:sp>
+        <p:nvSpPr>
+          <p:cNvPr id="2" name="Header Placeholder 1"/>
+          <p:cNvSpPr>
+            <a:spLocks noGrp="1"/>
+          </p:cNvSpPr>
+          <p:nvPr>
+            <p:ph type="hdr" sz="quarter"/>
+          </p:nvPr>
+        </p:nvSpPr>
+        <p:spPr>
+          <a:xfrm>
+            <a:off x="0" y="0"/>
+            <a:ext cx="2971800" cy="458788"/>
+          </a:xfrm>
+          <a:prstGeom prst="rect">
+            <a:avLst/>
+          </a:prstGeom>
+        </p:spPr>
+        <p:txBody>
+          <a:bodyPr vert="horz" lIns="91440" tIns="45720" rIns="91440" bIns="45720" rtlCol="0"/>
+          <a:lstStyle>
+            <a:lvl1pPr algn="l">
+              <a:defRPr sz="1200"/>
+            </a:lvl1pPr>
+          </a:lstStyle>
+          <a:p>
+            <a:endParaRPr lang="en-US"/>
+          </a:p>
+        </p:txBody>
+      </p:sp>
+      <p:sp>
+        <p:nvSpPr>
+          <p:cNvPr id="3" name="Date Placeholder 2"/>
+          <p:cNvSpPr>
+            <a:spLocks noGrp="1"/>
+          </p:cNvSpPr>
+          <p:nvPr>
+            <p:ph type="dt" idx="1"/>
+          </p:nvPr>
+        </p:nvSpPr>
+        <p:spPr>
+          <a:xfrm>
+            <a:off x="3884613" y="0"/>
+            <a:ext cx="2971800" cy="458788"/>
+          </a:xfrm>
+          <a:prstGeom prst="rect">
+            <a:avLst/>
+          </a:prstGeom>
+        </p:spPr>
+        <p:txBody>
+          <a:bodyPr vert="horz" lIns="91440" tIns="45720" rIns="91440" bIns="45720" rtlCol="0"/>
+          <a:lstStyle>
+            <a:lvl1pPr algn="r">
+              <a:defRPr sz="1200"/>
+            </a:lvl1pPr>
+          </a:lstStyle>
+          <a:p>
+            <a:fld id="{D75383D2-B79B-450D-91B5-2F25959CA964}" type="datetimeFigureOut">
+              <a:rPr lang="en-US" smtClean="0"/>
+              <a:t>6/24/2020</a:t>
+            </a:fld>
+            <a:endParaRPr lang="en-US"/>
+          </a:p>
+        </p:txBody>
+      </p:sp>
+      <p:sp>
+        <p:nvSpPr>
+          <p:cNvPr id="4" name="Slide Image Placeholder 3"/>
+          <p:cNvSpPr>
+            <a:spLocks noGrp="1" noRot="1" noChangeAspect="1"/>
+          </p:cNvSpPr>
+          <p:nvPr>
+            <p:ph type="sldImg" idx="2"/>
+          </p:nvPr>
+        </p:nvSpPr>
+        <p:spPr>
+          <a:xfrm>
+            <a:off x="685800" y="1143000"/>
+            <a:ext cx="5486400" cy="3086100"/>
+          </a:xfrm>
+          <a:prstGeom prst="rect">
+            <a:avLst/>
+          </a:prstGeom>
+          <a:noFill/>
+          <a:ln w="12700">
+            <a:solidFill>
+              <a:prstClr val="black"/>
+            </a:solidFill>
+          </a:ln>
+        </p:spPr>
+        <p:txBody>
+          <a:bodyPr vert="horz" lIns="91440" tIns="45720" rIns="91440" bIns="45720" rtlCol="0" anchor="ctr"/>
+          <a:lstStyle/>
+          <a:p>
+            <a:endParaRPr lang="en-US"/>
+          </a:p>
+        </p:txBody>
+      </p:sp>
+      <p:sp>
+        <p:nvSpPr>
+          <p:cNvPr id="5" name="Notes Placeholder 4"/>
+          <p:cNvSpPr>
+            <a:spLocks noGrp="1"/>
+          </p:cNvSpPr>
+          <p:nvPr>
+            <p:ph type="body" sz="quarter" idx="3"/>
+          </p:nvPr>
+        </p:nvSpPr>
+        <p:spPr>
+          <a:xfrm>
+            <a:off x="685800" y="4400550"/>
+            <a:ext cx="5486400" cy="3600450"/>
+          </a:xfrm>
+          <a:prstGeom prst="rect">
+            <a:avLst/>
+          </a:prstGeom>
+        </p:spPr>
+        <p:txBody>
+          <a:bodyPr vert="horz" lIns="91440" tIns="45720" rIns="91440" bIns="45720" rtlCol="0"/>
+          <a:lstStyle/>
+          <a:p>
+            <a:pPr lvl="0"/>
+            <a:r>
+              <a:rPr lang="en-US"/>
+              <a:t>Click to edit Master text styles</a:t>
+            </a:r>
+          </a:p>
+          <a:p>
+            <a:pPr lvl="1"/>
+            <a:r>
+              <a:rPr lang="en-US"/>
+              <a:t>Second level</a:t>
+            </a:r>
+          </a:p>
+          <a:p>
+            <a:pPr lvl="2"/>
+            <a:r>
+              <a:rPr lang="en-US"/>
+              <a:t>Third level</a:t>
+            </a:r>
+          </a:p>
+          <a:p>
+            <a:pPr lvl="3"/>
+            <a:r>
+              <a:rPr lang="en-US"/>
+              <a:t>Fourth level</a:t>
+            </a:r>
+          </a:p>
+          <a:p>
+            <a:pPr lvl="4"/>
+            <a:r>
+              <a:rPr lang="en-US"/>
+              <a:t>Fifth level</a:t>
+            </a:r>
+          </a:p>
+        </p:txBody>
+      </p:sp>
+      <p:sp>
+        <p:nvSpPr>
+          <p:cNvPr id="6" name="Footer Placeholder 5"/>
+          <p:cNvSpPr>
+            <a:spLocks noGrp="1"/>
+          </p:cNvSpPr>
+          <p:nvPr>
+            <p:ph type="ftr" sz="quarter" idx="4"/>
+          </p:nvPr>
+        </p:nvSpPr>
+        <p:spPr>
+          <a:xfrm>
+            <a:off x="0" y="8685213"/>
+            <a:ext cx="2971800" cy="458787"/>
+          </a:xfrm>
+          <a:prstGeom prst="rect">
+            <a:avLst/>
+          </a:prstGeom>
+        </p:spPr>
+        <p:txBody>
+          <a:bodyPr vert="horz" lIns="91440" tIns="45720" rIns="91440" bIns="45720" rtlCol="0" anchor="b"/>
+          <a:lstStyle>
+            <a:lvl1pPr algn="l">
+              <a:defRPr sz="1200"/>
+            </a:lvl1pPr>
+          </a:lstStyle>
+          <a:p>
+            <a:endParaRPr lang="en-US"/>
+          </a:p>
+        </p:txBody>
+      </p:sp>
+      <p:sp>
+        <p:nvSpPr>
+          <p:cNvPr id="7" name="Slide Number Placeholder 6"/>
+          <p:cNvSpPr>
+            <a:spLocks noGrp="1"/>
+          </p:cNvSpPr>
+          <p:nvPr>
+            <p:ph type="sldNum" sz="quarter" idx="5"/>
+          </p:nvPr>
+        </p:nvSpPr>
+        <p:spPr>
+          <a:xfrm>
+            <a:off x="3884613" y="8685213"/>
+            <a:ext cx="2971800" cy="458787"/>
+          </a:xfrm>
+          <a:prstGeom prst="rect">
+            <a:avLst/>
+          </a:prstGeom>
+        </p:spPr>
+        <p:txBody>
+          <a:bodyPr vert="horz" lIns="91440" tIns="45720" rIns="91440" bIns="45720" rtlCol="0" anchor="b"/>
+          <a:lstStyle>
+            <a:lvl1pPr algn="r">
+              <a:defRPr sz="1200"/>
+            </a:lvl1pPr>
+          </a:lstStyle>
+          <a:p>
+            <a:fld id="{ED1DE247-BDC7-4EDE-A17F-427F554E8280}" type="slidenum">
+              <a:rPr lang="en-US" smtClean="0"/>
+              <a:t>‹#›</a:t>
+            </a:fld>
+            <a:endParaRPr lang="en-US"/>
+          </a:p>
+        </p:txBody>
+      </p:sp>
+    </p:spTree>
+    <p:extLst>
+      <p:ext uri="{BB962C8B-B14F-4D97-AF65-F5344CB8AC3E}">
+        <p14:creationId xmlns:p14="http://schemas.microsoft.com/office/powerpoint/2010/main" val="1799889427"/>
+      </p:ext>
+    </p:extLst>
+  </p:cSld>
+  <p:clrMap bg1="lt1" tx1="dk1" bg2="lt2" tx2="dk2" accent1="accent1" accent2="accent2" accent3="accent3" accent4="accent4" accent5="accent5" accent6="accent6" hlink="hlink" folHlink="folHlink"/>
+  <p:notesStyle>
+    <a:lvl1pPr marL="0" algn="l" defTabSz="914400" rtl="0" eaLnBrk="1" latinLnBrk="0" hangingPunct="1">
+      <a:defRPr sz="1200" kern="1200">
+        <a:solidFill>
+          <a:schemeClr val="tx1"/>
+        </a:solidFill>
+        <a:latin typeface="+mn-lt"/>
+        <a:ea typeface="+mn-ea"/>
+        <a:cs typeface="+mn-cs"/>
+      </a:defRPr>
+    </a:lvl1pPr>
+    <a:lvl2pPr marL="457200" algn="l" defTabSz="914400" rtl="0" eaLnBrk="1" latinLnBrk="0" hangingPunct="1">
+      <a:defRPr sz="1200" kern="1200">
+        <a:solidFill>
+          <a:schemeClr val="tx1"/>
+        </a:solidFill>
+        <a:latin typeface="+mn-lt"/>
+        <a:ea typeface="+mn-ea"/>
+        <a:cs typeface="+mn-cs"/>
+      </a:defRPr>
+    </a:lvl2pPr>
+    <a:lvl3pPr marL="914400" algn="l" defTabSz="914400" rtl="0" eaLnBrk="1" latinLnBrk="0" hangingPunct="1">
+      <a:defRPr sz="1200" kern="1200">
+        <a:solidFill>
+          <a:schemeClr val="tx1"/>
+        </a:solidFill>
+        <a:latin typeface="+mn-lt"/>
+        <a:ea typeface="+mn-ea"/>
+        <a:cs typeface="+mn-cs"/>
+      </a:defRPr>
+    </a:lvl3pPr>
+    <a:lvl4pPr marL="1371600" algn="l" defTabSz="914400" rtl="0" eaLnBrk="1" latinLnBrk="0" hangingPunct="1">
+      <a:defRPr sz="1200" kern="1200">
+        <a:solidFill>
+          <a:schemeClr val="tx1"/>
+        </a:solidFill>
+        <a:latin typeface="+mn-lt"/>
+        <a:ea typeface="+mn-ea"/>
+        <a:cs typeface="+mn-cs"/>
+      </a:defRPr>
+    </a:lvl4pPr>
+    <a:lvl5pPr marL="1828800" algn="l" defTabSz="914400" rtl="0" eaLnBrk="1" latinLnBrk="0" hangingPunct="1">
+      <a:defRPr sz="1200" kern="1200">
+        <a:solidFill>
+          <a:schemeClr val="tx1"/>
+        </a:solidFill>
+        <a:latin typeface="+mn-lt"/>
+        <a:ea typeface="+mn-ea"/>
+        <a:cs typeface="+mn-cs"/>
+      </a:defRPr>
+    </a:lvl5pPr>
+    <a:lvl6pPr marL="2286000" algn="l" defTabSz="914400" rtl="0" eaLnBrk="1" latinLnBrk="0" hangingPunct="1">
+      <a:defRPr sz="1200" kern="1200">
+        <a:solidFill>
+          <a:schemeClr val="tx1"/>
+        </a:solidFill>
+        <a:latin typeface="+mn-lt"/>
+        <a:ea typeface="+mn-ea"/>
+        <a:cs typeface="+mn-cs"/>
+      </a:defRPr>
+    </a:lvl6pPr>
+    <a:lvl7pPr marL="2743200" algn="l" defTabSz="914400" rtl="0" eaLnBrk="1" latinLnBrk="0" hangingPunct="1">
+      <a:defRPr sz="1200" kern="1200">
+        <a:solidFill>
+          <a:schemeClr val="tx1"/>
+        </a:solidFill>
+        <a:latin typeface="+mn-lt"/>
+        <a:ea typeface="+mn-ea"/>
+        <a:cs typeface="+mn-cs"/>
+      </a:defRPr>
+    </a:lvl7pPr>
+    <a:lvl8pPr marL="3200400" algn="l" defTabSz="914400" rtl="0" eaLnBrk="1" latinLnBrk="0" hangingPunct="1">
+      <a:defRPr sz="1200" kern="1200">
+        <a:solidFill>
+          <a:schemeClr val="tx1"/>
+        </a:solidFill>
+        <a:latin typeface="+mn-lt"/>
+        <a:ea typeface="+mn-ea"/>
+        <a:cs typeface="+mn-cs"/>
+      </a:defRPr>
+    </a:lvl8pPr>
+    <a:lvl9pPr marL="3657600" algn="l" defTabSz="914400" rtl="0" eaLnBrk="1" latinLnBrk="0" hangingPunct="1">
+      <a:defRPr sz="1200" kern="1200">
+        <a:solidFill>
+          <a:schemeClr val="tx1"/>
+        </a:solidFill>
+        <a:latin typeface="+mn-lt"/>
+        <a:ea typeface="+mn-ea"/>
+        <a:cs typeface="+mn-cs"/>
+      </a:defRPr>
+    </a:lvl9pPr>
+  </p:notesStyle>
+</p:notesMaster>
 </file>
 
 <file path=ppt/slideLayouts/slideLayout1.xml><?xml version="1.0" encoding="utf-8"?>
@@ -588,9 +940,9 @@
             </a:lvl1pPr>
           </a:lstStyle>
           <a:p>
-            <a:fld id="{EA0C0817-A112-4847-8014-A94B7D2A4EA3}" type="datetime1">
+            <a:fld id="{161CD246-6451-4A56-AA12-3B31B8835BDF}" type="datetime1">
               <a:rPr lang="en-US" smtClean="0"/>
-              <a:t>6/23/2020</a:t>
+              <a:t>6/24/2020</a:t>
             </a:fld>
             <a:endParaRPr lang="en-US" dirty="0"/>
           </a:p>
@@ -680,13 +1032,13 @@
   <p:clrMapOvr>
     <a:masterClrMapping/>
   </p:clrMapOvr>
-  <mc:AlternateContent xmlns:mc="http://schemas.openxmlformats.org/markup-compatibility/2006">
-    <mc:Choice xmlns:p14="http://schemas.microsoft.com/office/powerpoint/2010/main" Requires="p14">
+  <mc:AlternateContent xmlns:mc="http://schemas.openxmlformats.org/markup-compatibility/2006" xmlns:p14="http://schemas.microsoft.com/office/powerpoint/2010/main">
+    <mc:Choice Requires="p14">
       <p:transition spd="slow" p14:dur="1600">
         <p14:gallery dir="l"/>
       </p:transition>
     </mc:Choice>
-    <mc:Fallback>
+    <mc:Fallback xmlns="">
       <p:transition spd="slow">
         <p:fade/>
       </p:transition>
@@ -802,9 +1154,9 @@
           <a:bodyPr/>
           <a:lstStyle/>
           <a:p>
-            <a:fld id="{7332B432-ACDA-4023-A761-2BAB76577B62}" type="datetime1">
+            <a:fld id="{F03A3933-30B9-44C9-9BB0-35D23825A1DB}" type="datetime1">
               <a:rPr lang="en-US" smtClean="0"/>
-              <a:t>6/23/2020</a:t>
+              <a:t>6/24/2020</a:t>
             </a:fld>
             <a:endParaRPr lang="en-US" dirty="0"/>
           </a:p>
@@ -862,13 +1214,13 @@
   <p:clrMapOvr>
     <a:masterClrMapping/>
   </p:clrMapOvr>
-  <mc:AlternateContent xmlns:mc="http://schemas.openxmlformats.org/markup-compatibility/2006">
-    <mc:Choice xmlns:p14="http://schemas.microsoft.com/office/powerpoint/2010/main" Requires="p14">
+  <mc:AlternateContent xmlns:mc="http://schemas.openxmlformats.org/markup-compatibility/2006" xmlns:p14="http://schemas.microsoft.com/office/powerpoint/2010/main">
+    <mc:Choice Requires="p14">
       <p:transition spd="slow" p14:dur="1600">
         <p14:gallery dir="l"/>
       </p:transition>
     </mc:Choice>
-    <mc:Fallback>
+    <mc:Fallback xmlns="">
       <p:transition spd="slow">
         <p:fade/>
       </p:transition>
@@ -1413,9 +1765,9 @@
             </a:lvl1pPr>
           </a:lstStyle>
           <a:p>
-            <a:fld id="{D9C646AA-F36E-4540-911D-FFFC0A0EF24A}" type="datetime1">
+            <a:fld id="{13FECBE0-3781-4E7F-B89E-FD6F7C5943E8}" type="datetime1">
               <a:rPr lang="en-US" smtClean="0"/>
-              <a:t>6/23/2020</a:t>
+              <a:t>6/24/2020</a:t>
             </a:fld>
             <a:endParaRPr lang="en-US" dirty="0"/>
           </a:p>
@@ -1505,13 +1857,13 @@
   <p:clrMapOvr>
     <a:masterClrMapping/>
   </p:clrMapOvr>
-  <mc:AlternateContent xmlns:mc="http://schemas.openxmlformats.org/markup-compatibility/2006">
-    <mc:Choice xmlns:p14="http://schemas.microsoft.com/office/powerpoint/2010/main" Requires="p14">
+  <mc:AlternateContent xmlns:mc="http://schemas.openxmlformats.org/markup-compatibility/2006" xmlns:p14="http://schemas.microsoft.com/office/powerpoint/2010/main">
+    <mc:Choice Requires="p14">
       <p:transition spd="slow" p14:dur="1600">
         <p14:gallery dir="l"/>
       </p:transition>
     </mc:Choice>
-    <mc:Fallback>
+    <mc:Fallback xmlns="">
       <p:transition spd="slow">
         <p:fade/>
       </p:transition>
@@ -1745,9 +2097,9 @@
           <a:bodyPr/>
           <a:lstStyle/>
           <a:p>
-            <a:fld id="{69186D26-FA5F-4637-B602-B7C2DC34CFD4}" type="datetime1">
+            <a:fld id="{2460703A-EBAF-48E7-BD44-AD522F8BEB1F}" type="datetime1">
               <a:rPr lang="en-US" smtClean="0"/>
-              <a:t>6/23/2020</a:t>
+              <a:t>6/24/2020</a:t>
             </a:fld>
             <a:endParaRPr lang="en-US" dirty="0"/>
           </a:p>
@@ -1805,13 +2157,13 @@
   <p:clrMapOvr>
     <a:masterClrMapping/>
   </p:clrMapOvr>
-  <mc:AlternateContent xmlns:mc="http://schemas.openxmlformats.org/markup-compatibility/2006">
-    <mc:Choice xmlns:p14="http://schemas.microsoft.com/office/powerpoint/2010/main" Requires="p14">
+  <mc:AlternateContent xmlns:mc="http://schemas.openxmlformats.org/markup-compatibility/2006" xmlns:p14="http://schemas.microsoft.com/office/powerpoint/2010/main">
+    <mc:Choice Requires="p14">
       <p:transition spd="slow" p14:dur="1600">
         <p14:gallery dir="l"/>
       </p:transition>
     </mc:Choice>
-    <mc:Fallback>
+    <mc:Fallback xmlns="">
       <p:transition spd="slow">
         <p:fade/>
       </p:transition>
@@ -2194,9 +2546,9 @@
           <a:bodyPr/>
           <a:lstStyle/>
           <a:p>
-            <a:fld id="{8A7F15D8-96D1-4781-BC50-CA8A088B2FE4}" type="datetime1">
+            <a:fld id="{5BD39B8D-12F2-439C-A2BE-7B3FD8886A19}" type="datetime1">
               <a:rPr lang="en-US" smtClean="0"/>
-              <a:t>6/23/2020</a:t>
+              <a:t>6/24/2020</a:t>
             </a:fld>
             <a:endParaRPr lang="en-US" dirty="0"/>
           </a:p>
@@ -2254,13 +2606,13 @@
   <p:clrMapOvr>
     <a:masterClrMapping/>
   </p:clrMapOvr>
-  <mc:AlternateContent xmlns:mc="http://schemas.openxmlformats.org/markup-compatibility/2006">
-    <mc:Choice xmlns:p14="http://schemas.microsoft.com/office/powerpoint/2010/main" Requires="p14">
+  <mc:AlternateContent xmlns:mc="http://schemas.openxmlformats.org/markup-compatibility/2006" xmlns:p14="http://schemas.microsoft.com/office/powerpoint/2010/main">
+    <mc:Choice Requires="p14">
       <p:transition spd="slow" p14:dur="1600">
         <p14:gallery dir="l"/>
       </p:transition>
     </mc:Choice>
-    <mc:Fallback>
+    <mc:Fallback xmlns="">
       <p:transition spd="slow">
         <p:fade/>
       </p:transition>
@@ -2324,9 +2676,9 @@
           <a:bodyPr/>
           <a:lstStyle/>
           <a:p>
-            <a:fld id="{F9A96C99-B8F8-4528-BD05-0E16E943DC09}" type="datetime1">
+            <a:fld id="{BD091BE2-ADAD-4388-9294-EE142EEE7993}" type="datetime1">
               <a:rPr lang="en-US" smtClean="0"/>
-              <a:t>6/23/2020</a:t>
+              <a:t>6/24/2020</a:t>
             </a:fld>
             <a:endParaRPr lang="en-US" dirty="0"/>
           </a:p>
@@ -2384,13 +2736,13 @@
   <p:clrMapOvr>
     <a:masterClrMapping/>
   </p:clrMapOvr>
-  <mc:AlternateContent xmlns:mc="http://schemas.openxmlformats.org/markup-compatibility/2006">
-    <mc:Choice xmlns:p14="http://schemas.microsoft.com/office/powerpoint/2010/main" Requires="p14">
+  <mc:AlternateContent xmlns:mc="http://schemas.openxmlformats.org/markup-compatibility/2006" xmlns:p14="http://schemas.microsoft.com/office/powerpoint/2010/main">
+    <mc:Choice Requires="p14">
       <p:transition spd="slow" p14:dur="1600">
         <p14:gallery dir="l"/>
       </p:transition>
     </mc:Choice>
-    <mc:Fallback>
+    <mc:Fallback xmlns="">
       <p:transition spd="slow">
         <p:fade/>
       </p:transition>
@@ -2431,9 +2783,9 @@
           <a:bodyPr/>
           <a:lstStyle/>
           <a:p>
-            <a:fld id="{03636942-C211-4B28-8DBD-C953E00AF71B}" type="datetime1">
+            <a:fld id="{1ED9FA07-9EC1-4857-B4EC-132CCA7E95B7}" type="datetime1">
               <a:rPr lang="en-US" smtClean="0"/>
-              <a:t>6/23/2020</a:t>
+              <a:t>6/24/2020</a:t>
             </a:fld>
             <a:endParaRPr lang="en-US" dirty="0"/>
           </a:p>
@@ -2491,13 +2843,13 @@
   <p:clrMapOvr>
     <a:masterClrMapping/>
   </p:clrMapOvr>
-  <mc:AlternateContent xmlns:mc="http://schemas.openxmlformats.org/markup-compatibility/2006">
-    <mc:Choice xmlns:p14="http://schemas.microsoft.com/office/powerpoint/2010/main" Requires="p14">
+  <mc:AlternateContent xmlns:mc="http://schemas.openxmlformats.org/markup-compatibility/2006" xmlns:p14="http://schemas.microsoft.com/office/powerpoint/2010/main">
+    <mc:Choice Requires="p14">
       <p:transition spd="slow" p14:dur="1600">
         <p14:gallery dir="l"/>
       </p:transition>
     </mc:Choice>
-    <mc:Fallback>
+    <mc:Fallback xmlns="">
       <p:transition spd="slow">
         <p:fade/>
       </p:transition>
@@ -2860,9 +3212,9 @@
             </a:lvl1pPr>
           </a:lstStyle>
           <a:p>
-            <a:fld id="{7E8D12A6-918A-48BD-8CB9-CA713993B0EA}" type="datetime1">
+            <a:fld id="{F59ADFC5-4DE4-4416-8DA9-446FFD321735}" type="datetime1">
               <a:rPr lang="en-US" smtClean="0"/>
-              <a:t>6/23/2020</a:t>
+              <a:t>6/24/2020</a:t>
             </a:fld>
             <a:endParaRPr lang="en-US" dirty="0"/>
           </a:p>
@@ -2945,13 +3297,13 @@
   <p:clrMapOvr>
     <a:masterClrMapping/>
   </p:clrMapOvr>
-  <mc:AlternateContent xmlns:mc="http://schemas.openxmlformats.org/markup-compatibility/2006">
-    <mc:Choice xmlns:p14="http://schemas.microsoft.com/office/powerpoint/2010/main" Requires="p14">
+  <mc:AlternateContent xmlns:mc="http://schemas.openxmlformats.org/markup-compatibility/2006" xmlns:p14="http://schemas.microsoft.com/office/powerpoint/2010/main">
+    <mc:Choice Requires="p14">
       <p:transition spd="slow" p14:dur="1600">
         <p14:gallery dir="l"/>
       </p:transition>
     </mc:Choice>
-    <mc:Fallback>
+    <mc:Fallback xmlns="">
       <p:transition spd="slow">
         <p:fade/>
       </p:transition>
@@ -3133,10 +3485,9 @@
             </a:lvl1pPr>
           </a:lstStyle>
           <a:p>
-            <a:fld id="{E778CE86-875F-4587-BCF6-FA054AFC0D53}" type="datetime1">
+            <a:fld id="{B618720E-982C-4FF0-A49D-A5A49A237E04}" type="datetime1">
               <a:rPr lang="en-US" smtClean="0"/>
-              <a:pPr/>
-              <a:t>6/23/2020</a:t>
+              <a:t>6/24/2020</a:t>
             </a:fld>
             <a:endParaRPr lang="en-US" dirty="0"/>
           </a:p>
@@ -3390,13 +3741,13 @@
   <p:clrMapOvr>
     <a:masterClrMapping/>
   </p:clrMapOvr>
-  <mc:AlternateContent xmlns:mc="http://schemas.openxmlformats.org/markup-compatibility/2006">
-    <mc:Choice xmlns:p14="http://schemas.microsoft.com/office/powerpoint/2010/main" Requires="p14">
+  <mc:AlternateContent xmlns:mc="http://schemas.openxmlformats.org/markup-compatibility/2006" xmlns:p14="http://schemas.microsoft.com/office/powerpoint/2010/main">
+    <mc:Choice Requires="p14">
       <p:transition spd="slow" p14:dur="1600">
         <p14:gallery dir="l"/>
       </p:transition>
     </mc:Choice>
-    <mc:Fallback>
+    <mc:Fallback xmlns="">
       <p:transition spd="slow">
         <p:fade/>
       </p:transition>
@@ -3692,9 +4043,9 @@
             </a:lvl1pPr>
           </a:lstStyle>
           <a:p>
-            <a:fld id="{F6FA2B21-3FCD-4721-B95C-427943F61125}" type="datetime1">
+            <a:fld id="{674ECFBA-8A9F-46A0-8D5C-91D1189A053D}" type="datetime1">
               <a:rPr lang="en-US" smtClean="0"/>
-              <a:t>6/23/2020</a:t>
+              <a:t>6/24/2020</a:t>
             </a:fld>
             <a:endParaRPr lang="en-US" dirty="0"/>
           </a:p>
@@ -3799,19 +4150,19 @@
     <p:sldLayoutId id="2147483662" r:id="rId8"/>
     <p:sldLayoutId id="2147483663" r:id="rId9"/>
   </p:sldLayoutIdLst>
-  <mc:AlternateContent xmlns:mc="http://schemas.openxmlformats.org/markup-compatibility/2006">
-    <mc:Choice xmlns:p14="http://schemas.microsoft.com/office/powerpoint/2010/main" Requires="p14">
+  <mc:AlternateContent xmlns:mc="http://schemas.openxmlformats.org/markup-compatibility/2006" xmlns:p14="http://schemas.microsoft.com/office/powerpoint/2010/main">
+    <mc:Choice Requires="p14">
       <p:transition spd="slow" p14:dur="1600">
         <p14:gallery dir="l"/>
       </p:transition>
     </mc:Choice>
-    <mc:Fallback>
+    <mc:Fallback xmlns="">
       <p:transition spd="slow">
         <p:fade/>
       </p:transition>
     </mc:Fallback>
   </mc:AlternateContent>
-  <p:hf sldNum="0" hdr="0" ftr="0" dt="0"/>
+  <p:hf hdr="0" ftr="0" dt="0"/>
   <p:txStyles>
     <p:titleStyle>
       <a:lvl1pPr algn="l" defTabSz="914400" rtl="0" eaLnBrk="1" latinLnBrk="0" hangingPunct="1">
@@ -4514,6 +4865,35 @@
           </a:p>
         </p:txBody>
       </p:sp>
+      <p:sp>
+        <p:nvSpPr>
+          <p:cNvPr id="4" name="Slide Number Placeholder 3">
+            <a:extLst>
+              <a:ext uri="{FF2B5EF4-FFF2-40B4-BE49-F238E27FC236}">
+                <a16:creationId xmlns:a16="http://schemas.microsoft.com/office/drawing/2014/main" id="{282E4BE2-0555-4D2A-B592-C5E4878742BF}"/>
+              </a:ext>
+            </a:extLst>
+          </p:cNvPr>
+          <p:cNvSpPr>
+            <a:spLocks noGrp="1"/>
+          </p:cNvSpPr>
+          <p:nvPr>
+            <p:ph type="sldNum" sz="quarter" idx="12"/>
+          </p:nvPr>
+        </p:nvSpPr>
+        <p:spPr/>
+        <p:txBody>
+          <a:bodyPr/>
+          <a:lstStyle/>
+          <a:p>
+            <a:fld id="{34B7E4EF-A1BD-40F4-AB7B-04F084DD991D}" type="slidenum">
+              <a:rPr lang="en-US" smtClean="0"/>
+              <a:t>1</a:t>
+            </a:fld>
+            <a:endParaRPr lang="en-US" dirty="0"/>
+          </a:p>
+        </p:txBody>
+      </p:sp>
     </p:spTree>
     <p:extLst>
       <p:ext uri="{BB962C8B-B14F-4D97-AF65-F5344CB8AC3E}">
@@ -4524,13 +4904,13 @@
   <p:clrMapOvr>
     <a:overrideClrMapping bg1="dk1" tx1="lt1" bg2="dk2" tx2="lt2" accent1="accent1" accent2="accent2" accent3="accent3" accent4="accent4" accent5="accent5" accent6="accent6" hlink="hlink" folHlink="folHlink"/>
   </p:clrMapOvr>
-  <mc:AlternateContent xmlns:mc="http://schemas.openxmlformats.org/markup-compatibility/2006">
-    <mc:Choice xmlns:p14="http://schemas.microsoft.com/office/powerpoint/2010/main" Requires="p14">
+  <mc:AlternateContent xmlns:mc="http://schemas.openxmlformats.org/markup-compatibility/2006" xmlns:p14="http://schemas.microsoft.com/office/powerpoint/2010/main">
+    <mc:Choice Requires="p14">
       <p:transition spd="slow" p14:dur="1600">
         <p14:gallery dir="l"/>
       </p:transition>
     </mc:Choice>
-    <mc:Fallback>
+    <mc:Fallback xmlns="">
       <p:transition spd="slow">
         <p:fade/>
       </p:transition>
@@ -4644,6 +5024,35 @@
           </a:p>
         </p:txBody>
       </p:sp>
+      <p:sp>
+        <p:nvSpPr>
+          <p:cNvPr id="3" name="Slide Number Placeholder 2">
+            <a:extLst>
+              <a:ext uri="{FF2B5EF4-FFF2-40B4-BE49-F238E27FC236}">
+                <a16:creationId xmlns:a16="http://schemas.microsoft.com/office/drawing/2014/main" id="{B0241099-9616-4CA2-8FC1-91A02A2AFA5B}"/>
+              </a:ext>
+            </a:extLst>
+          </p:cNvPr>
+          <p:cNvSpPr>
+            <a:spLocks noGrp="1"/>
+          </p:cNvSpPr>
+          <p:nvPr>
+            <p:ph type="sldNum" sz="quarter" idx="12"/>
+          </p:nvPr>
+        </p:nvSpPr>
+        <p:spPr/>
+        <p:txBody>
+          <a:bodyPr/>
+          <a:lstStyle/>
+          <a:p>
+            <a:fld id="{34B7E4EF-A1BD-40F4-AB7B-04F084DD991D}" type="slidenum">
+              <a:rPr lang="en-US" smtClean="0"/>
+              <a:t>10</a:t>
+            </a:fld>
+            <a:endParaRPr lang="en-US" dirty="0"/>
+          </a:p>
+        </p:txBody>
+      </p:sp>
     </p:spTree>
     <p:extLst>
       <p:ext uri="{BB962C8B-B14F-4D97-AF65-F5344CB8AC3E}">
@@ -4654,13 +5063,13 @@
   <p:clrMapOvr>
     <a:masterClrMapping/>
   </p:clrMapOvr>
-  <mc:AlternateContent xmlns:mc="http://schemas.openxmlformats.org/markup-compatibility/2006">
-    <mc:Choice xmlns:p14="http://schemas.microsoft.com/office/powerpoint/2010/main" Requires="p14">
+  <mc:AlternateContent xmlns:mc="http://schemas.openxmlformats.org/markup-compatibility/2006" xmlns:p14="http://schemas.microsoft.com/office/powerpoint/2010/main">
+    <mc:Choice Requires="p14">
       <p:transition spd="slow" p14:dur="1600">
         <p14:gallery dir="l"/>
       </p:transition>
     </mc:Choice>
-    <mc:Fallback>
+    <mc:Fallback xmlns="">
       <p:transition spd="slow">
         <p:fade/>
       </p:transition>
@@ -4819,6 +5228,35 @@
           </a:p>
         </p:txBody>
       </p:sp>
+      <p:sp>
+        <p:nvSpPr>
+          <p:cNvPr id="4" name="Slide Number Placeholder 3">
+            <a:extLst>
+              <a:ext uri="{FF2B5EF4-FFF2-40B4-BE49-F238E27FC236}">
+                <a16:creationId xmlns:a16="http://schemas.microsoft.com/office/drawing/2014/main" id="{63A469EF-FC45-4776-937C-04A905D0E66E}"/>
+              </a:ext>
+            </a:extLst>
+          </p:cNvPr>
+          <p:cNvSpPr>
+            <a:spLocks noGrp="1"/>
+          </p:cNvSpPr>
+          <p:nvPr>
+            <p:ph type="sldNum" sz="quarter" idx="12"/>
+          </p:nvPr>
+        </p:nvSpPr>
+        <p:spPr/>
+        <p:txBody>
+          <a:bodyPr/>
+          <a:lstStyle/>
+          <a:p>
+            <a:fld id="{34B7E4EF-A1BD-40F4-AB7B-04F084DD991D}" type="slidenum">
+              <a:rPr lang="en-US" smtClean="0"/>
+              <a:t>2</a:t>
+            </a:fld>
+            <a:endParaRPr lang="en-US" dirty="0"/>
+          </a:p>
+        </p:txBody>
+      </p:sp>
     </p:spTree>
     <p:extLst>
       <p:ext uri="{BB962C8B-B14F-4D97-AF65-F5344CB8AC3E}">
@@ -4829,13 +5267,13 @@
   <p:clrMapOvr>
     <a:masterClrMapping/>
   </p:clrMapOvr>
-  <mc:AlternateContent xmlns:mc="http://schemas.openxmlformats.org/markup-compatibility/2006">
-    <mc:Choice xmlns:p14="http://schemas.microsoft.com/office/powerpoint/2010/main" Requires="p14">
+  <mc:AlternateContent xmlns:mc="http://schemas.openxmlformats.org/markup-compatibility/2006" xmlns:p14="http://schemas.microsoft.com/office/powerpoint/2010/main">
+    <mc:Choice Requires="p14">
       <p:transition spd="slow" p14:dur="1600">
         <p14:gallery dir="l"/>
       </p:transition>
     </mc:Choice>
-    <mc:Fallback>
+    <mc:Fallback xmlns="">
       <p:transition spd="slow">
         <p:fade/>
       </p:transition>
@@ -4983,6 +5421,35 @@
           </a:p>
         </p:txBody>
       </p:sp>
+      <p:sp>
+        <p:nvSpPr>
+          <p:cNvPr id="3" name="Slide Number Placeholder 2">
+            <a:extLst>
+              <a:ext uri="{FF2B5EF4-FFF2-40B4-BE49-F238E27FC236}">
+                <a16:creationId xmlns:a16="http://schemas.microsoft.com/office/drawing/2014/main" id="{B8A19F0A-2DA9-4F60-A001-B6D0207C8DAD}"/>
+              </a:ext>
+            </a:extLst>
+          </p:cNvPr>
+          <p:cNvSpPr>
+            <a:spLocks noGrp="1"/>
+          </p:cNvSpPr>
+          <p:nvPr>
+            <p:ph type="sldNum" sz="quarter" idx="12"/>
+          </p:nvPr>
+        </p:nvSpPr>
+        <p:spPr/>
+        <p:txBody>
+          <a:bodyPr/>
+          <a:lstStyle/>
+          <a:p>
+            <a:fld id="{34B7E4EF-A1BD-40F4-AB7B-04F084DD991D}" type="slidenum">
+              <a:rPr lang="en-US" smtClean="0"/>
+              <a:t>3</a:t>
+            </a:fld>
+            <a:endParaRPr lang="en-US" dirty="0"/>
+          </a:p>
+        </p:txBody>
+      </p:sp>
     </p:spTree>
     <p:extLst>
       <p:ext uri="{BB962C8B-B14F-4D97-AF65-F5344CB8AC3E}">
@@ -4993,13 +5460,13 @@
   <p:clrMapOvr>
     <a:masterClrMapping/>
   </p:clrMapOvr>
-  <mc:AlternateContent xmlns:mc="http://schemas.openxmlformats.org/markup-compatibility/2006">
-    <mc:Choice xmlns:p14="http://schemas.microsoft.com/office/powerpoint/2010/main" Requires="p14">
+  <mc:AlternateContent xmlns:mc="http://schemas.openxmlformats.org/markup-compatibility/2006" xmlns:p14="http://schemas.microsoft.com/office/powerpoint/2010/main">
+    <mc:Choice Requires="p14">
       <p:transition spd="slow" p14:dur="1600">
         <p14:gallery dir="l"/>
       </p:transition>
     </mc:Choice>
-    <mc:Fallback>
+    <mc:Fallback xmlns="">
       <p:transition spd="slow">
         <p:fade/>
       </p:transition>
@@ -5184,6 +5651,35 @@
           </a:p>
         </p:txBody>
       </p:sp>
+      <p:sp>
+        <p:nvSpPr>
+          <p:cNvPr id="3" name="Slide Number Placeholder 2">
+            <a:extLst>
+              <a:ext uri="{FF2B5EF4-FFF2-40B4-BE49-F238E27FC236}">
+                <a16:creationId xmlns:a16="http://schemas.microsoft.com/office/drawing/2014/main" id="{B132FC9B-465B-4FFB-A77A-57B7490A602B}"/>
+              </a:ext>
+            </a:extLst>
+          </p:cNvPr>
+          <p:cNvSpPr>
+            <a:spLocks noGrp="1"/>
+          </p:cNvSpPr>
+          <p:nvPr>
+            <p:ph type="sldNum" sz="quarter" idx="12"/>
+          </p:nvPr>
+        </p:nvSpPr>
+        <p:spPr/>
+        <p:txBody>
+          <a:bodyPr/>
+          <a:lstStyle/>
+          <a:p>
+            <a:fld id="{34B7E4EF-A1BD-40F4-AB7B-04F084DD991D}" type="slidenum">
+              <a:rPr lang="en-US" smtClean="0"/>
+              <a:t>4</a:t>
+            </a:fld>
+            <a:endParaRPr lang="en-US" dirty="0"/>
+          </a:p>
+        </p:txBody>
+      </p:sp>
     </p:spTree>
     <p:extLst>
       <p:ext uri="{BB962C8B-B14F-4D97-AF65-F5344CB8AC3E}">
@@ -5194,13 +5690,13 @@
   <p:clrMapOvr>
     <a:masterClrMapping/>
   </p:clrMapOvr>
-  <mc:AlternateContent xmlns:mc="http://schemas.openxmlformats.org/markup-compatibility/2006">
-    <mc:Choice xmlns:p14="http://schemas.microsoft.com/office/powerpoint/2010/main" Requires="p14">
+  <mc:AlternateContent xmlns:mc="http://schemas.openxmlformats.org/markup-compatibility/2006" xmlns:p14="http://schemas.microsoft.com/office/powerpoint/2010/main">
+    <mc:Choice Requires="p14">
       <p:transition spd="slow" p14:dur="1600">
         <p14:gallery dir="l"/>
       </p:transition>
     </mc:Choice>
-    <mc:Fallback>
+    <mc:Fallback xmlns="">
       <p:transition spd="slow">
         <p:fade/>
       </p:transition>
@@ -5369,6 +5865,35 @@
           </a:p>
         </p:txBody>
       </p:sp>
+      <p:sp>
+        <p:nvSpPr>
+          <p:cNvPr id="3" name="Slide Number Placeholder 2">
+            <a:extLst>
+              <a:ext uri="{FF2B5EF4-FFF2-40B4-BE49-F238E27FC236}">
+                <a16:creationId xmlns:a16="http://schemas.microsoft.com/office/drawing/2014/main" id="{6B7382B4-4572-4AC0-9E77-AC2BD3B6B373}"/>
+              </a:ext>
+            </a:extLst>
+          </p:cNvPr>
+          <p:cNvSpPr>
+            <a:spLocks noGrp="1"/>
+          </p:cNvSpPr>
+          <p:nvPr>
+            <p:ph type="sldNum" sz="quarter" idx="12"/>
+          </p:nvPr>
+        </p:nvSpPr>
+        <p:spPr/>
+        <p:txBody>
+          <a:bodyPr/>
+          <a:lstStyle/>
+          <a:p>
+            <a:fld id="{34B7E4EF-A1BD-40F4-AB7B-04F084DD991D}" type="slidenum">
+              <a:rPr lang="en-US" smtClean="0"/>
+              <a:t>5</a:t>
+            </a:fld>
+            <a:endParaRPr lang="en-US" dirty="0"/>
+          </a:p>
+        </p:txBody>
+      </p:sp>
     </p:spTree>
     <p:extLst>
       <p:ext uri="{BB962C8B-B14F-4D97-AF65-F5344CB8AC3E}">
@@ -5379,13 +5904,13 @@
   <p:clrMapOvr>
     <a:masterClrMapping/>
   </p:clrMapOvr>
-  <mc:AlternateContent xmlns:mc="http://schemas.openxmlformats.org/markup-compatibility/2006">
-    <mc:Choice xmlns:p14="http://schemas.microsoft.com/office/powerpoint/2010/main" Requires="p14">
+  <mc:AlternateContent xmlns:mc="http://schemas.openxmlformats.org/markup-compatibility/2006" xmlns:p14="http://schemas.microsoft.com/office/powerpoint/2010/main">
+    <mc:Choice Requires="p14">
       <p:transition spd="slow" p14:dur="1600">
         <p14:gallery dir="l"/>
       </p:transition>
     </mc:Choice>
-    <mc:Fallback>
+    <mc:Fallback xmlns="">
       <p:transition spd="slow">
         <p:fade/>
       </p:transition>
@@ -5533,6 +6058,35 @@
           </a:p>
         </p:txBody>
       </p:sp>
+      <p:sp>
+        <p:nvSpPr>
+          <p:cNvPr id="3" name="Slide Number Placeholder 2">
+            <a:extLst>
+              <a:ext uri="{FF2B5EF4-FFF2-40B4-BE49-F238E27FC236}">
+                <a16:creationId xmlns:a16="http://schemas.microsoft.com/office/drawing/2014/main" id="{A5E8DBA4-FBC6-4A66-BD00-21BA96316D2F}"/>
+              </a:ext>
+            </a:extLst>
+          </p:cNvPr>
+          <p:cNvSpPr>
+            <a:spLocks noGrp="1"/>
+          </p:cNvSpPr>
+          <p:nvPr>
+            <p:ph type="sldNum" sz="quarter" idx="12"/>
+          </p:nvPr>
+        </p:nvSpPr>
+        <p:spPr/>
+        <p:txBody>
+          <a:bodyPr/>
+          <a:lstStyle/>
+          <a:p>
+            <a:fld id="{34B7E4EF-A1BD-40F4-AB7B-04F084DD991D}" type="slidenum">
+              <a:rPr lang="en-US" smtClean="0"/>
+              <a:t>6</a:t>
+            </a:fld>
+            <a:endParaRPr lang="en-US" dirty="0"/>
+          </a:p>
+        </p:txBody>
+      </p:sp>
     </p:spTree>
     <p:extLst>
       <p:ext uri="{BB962C8B-B14F-4D97-AF65-F5344CB8AC3E}">
@@ -5543,13 +6097,13 @@
   <p:clrMapOvr>
     <a:masterClrMapping/>
   </p:clrMapOvr>
-  <mc:AlternateContent xmlns:mc="http://schemas.openxmlformats.org/markup-compatibility/2006">
-    <mc:Choice xmlns:p14="http://schemas.microsoft.com/office/powerpoint/2010/main" Requires="p14">
+  <mc:AlternateContent xmlns:mc="http://schemas.openxmlformats.org/markup-compatibility/2006" xmlns:p14="http://schemas.microsoft.com/office/powerpoint/2010/main">
+    <mc:Choice Requires="p14">
       <p:transition spd="slow" p14:dur="1600">
         <p14:gallery dir="l"/>
       </p:transition>
     </mc:Choice>
-    <mc:Fallback>
+    <mc:Fallback xmlns="">
       <p:transition spd="slow">
         <p:fade/>
       </p:transition>
@@ -5718,6 +6272,35 @@
           </a:p>
         </p:txBody>
       </p:sp>
+      <p:sp>
+        <p:nvSpPr>
+          <p:cNvPr id="3" name="Slide Number Placeholder 2">
+            <a:extLst>
+              <a:ext uri="{FF2B5EF4-FFF2-40B4-BE49-F238E27FC236}">
+                <a16:creationId xmlns:a16="http://schemas.microsoft.com/office/drawing/2014/main" id="{90310FD2-8A6C-4750-9FA5-13714E616B90}"/>
+              </a:ext>
+            </a:extLst>
+          </p:cNvPr>
+          <p:cNvSpPr>
+            <a:spLocks noGrp="1"/>
+          </p:cNvSpPr>
+          <p:nvPr>
+            <p:ph type="sldNum" sz="quarter" idx="12"/>
+          </p:nvPr>
+        </p:nvSpPr>
+        <p:spPr/>
+        <p:txBody>
+          <a:bodyPr/>
+          <a:lstStyle/>
+          <a:p>
+            <a:fld id="{34B7E4EF-A1BD-40F4-AB7B-04F084DD991D}" type="slidenum">
+              <a:rPr lang="en-US" smtClean="0"/>
+              <a:t>7</a:t>
+            </a:fld>
+            <a:endParaRPr lang="en-US" dirty="0"/>
+          </a:p>
+        </p:txBody>
+      </p:sp>
     </p:spTree>
     <p:extLst>
       <p:ext uri="{BB962C8B-B14F-4D97-AF65-F5344CB8AC3E}">
@@ -5728,13 +6311,13 @@
   <p:clrMapOvr>
     <a:masterClrMapping/>
   </p:clrMapOvr>
-  <mc:AlternateContent xmlns:mc="http://schemas.openxmlformats.org/markup-compatibility/2006">
-    <mc:Choice xmlns:p14="http://schemas.microsoft.com/office/powerpoint/2010/main" Requires="p14">
+  <mc:AlternateContent xmlns:mc="http://schemas.openxmlformats.org/markup-compatibility/2006" xmlns:p14="http://schemas.microsoft.com/office/powerpoint/2010/main">
+    <mc:Choice Requires="p14">
       <p:transition spd="slow" p14:dur="1600">
         <p14:gallery dir="l"/>
       </p:transition>
     </mc:Choice>
-    <mc:Fallback>
+    <mc:Fallback xmlns="">
       <p:transition spd="slow">
         <p:fade/>
       </p:transition>
@@ -5884,15 +6467,6 @@
           <a:solidFill>
             <a:srgbClr val="FFFFFF"/>
           </a:solidFill>
-          <a:extLst>
-            <a:ext uri="{909E8E84-426E-40DD-AFC4-6F175D3DCCD1}">
-              <a14:hiddenFill xmlns:a14="http://schemas.microsoft.com/office/drawing/2010/main">
-                <a:solidFill>
-                  <a:srgbClr val="FFFFFF"/>
-                </a:solidFill>
-              </a14:hiddenFill>
-            </a:ext>
-          </a:extLst>
         </p:spPr>
       </p:pic>
       <p:sp>
@@ -5922,6 +6496,35 @@
           <a:lstStyle/>
           <a:p>
             <a:endParaRPr lang="en-US"/>
+          </a:p>
+        </p:txBody>
+      </p:sp>
+      <p:sp>
+        <p:nvSpPr>
+          <p:cNvPr id="3" name="Slide Number Placeholder 2">
+            <a:extLst>
+              <a:ext uri="{FF2B5EF4-FFF2-40B4-BE49-F238E27FC236}">
+                <a16:creationId xmlns:a16="http://schemas.microsoft.com/office/drawing/2014/main" id="{3A6992EF-B8E9-415B-8B84-7C5E58FB706D}"/>
+              </a:ext>
+            </a:extLst>
+          </p:cNvPr>
+          <p:cNvSpPr>
+            <a:spLocks noGrp="1"/>
+          </p:cNvSpPr>
+          <p:nvPr>
+            <p:ph type="sldNum" sz="quarter" idx="12"/>
+          </p:nvPr>
+        </p:nvSpPr>
+        <p:spPr/>
+        <p:txBody>
+          <a:bodyPr/>
+          <a:lstStyle/>
+          <a:p>
+            <a:fld id="{34B7E4EF-A1BD-40F4-AB7B-04F084DD991D}" type="slidenum">
+              <a:rPr lang="en-US" smtClean="0"/>
+              <a:t>8</a:t>
+            </a:fld>
+            <a:endParaRPr lang="en-US" dirty="0"/>
           </a:p>
         </p:txBody>
       </p:sp>
@@ -5935,13 +6538,13 @@
   <p:clrMapOvr>
     <a:masterClrMapping/>
   </p:clrMapOvr>
-  <mc:AlternateContent xmlns:mc="http://schemas.openxmlformats.org/markup-compatibility/2006">
-    <mc:Choice xmlns:p14="http://schemas.microsoft.com/office/powerpoint/2010/main" Requires="p14">
+  <mc:AlternateContent xmlns:mc="http://schemas.openxmlformats.org/markup-compatibility/2006" xmlns:p14="http://schemas.microsoft.com/office/powerpoint/2010/main">
+    <mc:Choice Requires="p14">
       <p:transition spd="slow" p14:dur="1600">
         <p14:gallery dir="l"/>
       </p:transition>
     </mc:Choice>
-    <mc:Fallback>
+    <mc:Fallback xmlns="">
       <p:transition spd="slow">
         <p:fade/>
       </p:transition>
@@ -5969,29 +6572,6 @@
       </p:grpSpPr>
       <p:sp>
         <p:nvSpPr>
-          <p:cNvPr id="8" name="Picture Placeholder 1">
-            <a:extLst>
-              <a:ext uri="{FF2B5EF4-FFF2-40B4-BE49-F238E27FC236}">
-                <a16:creationId xmlns:a16="http://schemas.microsoft.com/office/drawing/2014/main" id="{BB8C336F-41C8-41A2-A362-923F866E77BA}"/>
-              </a:ext>
-            </a:extLst>
-          </p:cNvPr>
-          <p:cNvSpPr>
-            <a:spLocks noGrp="1"/>
-          </p:cNvSpPr>
-          <p:nvPr>
-            <p:ph type="pic" idx="1"/>
-          </p:nvPr>
-        </p:nvSpPr>
-        <p:spPr>
-          <a:xfrm>
-            <a:off x="228599" y="237744"/>
-            <a:ext cx="7696201" cy="6382512"/>
-          </a:xfrm>
-        </p:spPr>
-      </p:sp>
-      <p:sp>
-        <p:nvSpPr>
           <p:cNvPr id="2" name="Title 1">
             <a:extLst>
               <a:ext uri="{FF2B5EF4-FFF2-40B4-BE49-F238E27FC236}">
@@ -6020,7 +6600,7 @@
           <a:p>
             <a:r>
               <a:rPr lang="en-US" dirty="0" err="1"/>
-              <a:t>Thiết</a:t>
+              <a:t>Công</a:t>
             </a:r>
             <a:r>
               <a:rPr lang="en-US" dirty="0"/>
@@ -6028,7 +6608,7 @@
             </a:r>
             <a:r>
               <a:rPr lang="en-US" dirty="0" err="1"/>
-              <a:t>kế</a:t>
+              <a:t>nghệ</a:t>
             </a:r>
             <a:r>
               <a:rPr lang="en-US" dirty="0"/>
@@ -6036,7 +6616,7 @@
             </a:r>
             <a:r>
               <a:rPr lang="en-US" dirty="0" err="1"/>
-              <a:t>giao</a:t>
+              <a:t>sử</a:t>
             </a:r>
             <a:r>
               <a:rPr lang="en-US" dirty="0"/>
@@ -6044,7 +6624,7 @@
             </a:r>
             <a:r>
               <a:rPr lang="en-US" dirty="0" err="1"/>
-              <a:t>diện</a:t>
+              <a:t>dụng</a:t>
             </a:r>
             <a:endParaRPr lang="en-US" dirty="0"/>
           </a:p>
@@ -6077,6 +6657,256 @@
           <a:lstStyle/>
           <a:p>
             <a:endParaRPr lang="en-US"/>
+          </a:p>
+        </p:txBody>
+      </p:sp>
+      <p:sp>
+        <p:nvSpPr>
+          <p:cNvPr id="3" name="Rectangle 2">
+            <a:extLst>
+              <a:ext uri="{FF2B5EF4-FFF2-40B4-BE49-F238E27FC236}">
+                <a16:creationId xmlns:a16="http://schemas.microsoft.com/office/drawing/2014/main" id="{69D5F3C7-38AD-4E45-B5C5-FDB67C0BA219}"/>
+              </a:ext>
+            </a:extLst>
+          </p:cNvPr>
+          <p:cNvSpPr/>
+          <p:nvPr/>
+        </p:nvSpPr>
+        <p:spPr>
+          <a:xfrm>
+            <a:off x="490330" y="463826"/>
+            <a:ext cx="7593496" cy="5936974"/>
+          </a:xfrm>
+          <a:prstGeom prst="rect">
+            <a:avLst/>
+          </a:prstGeom>
+          <a:noFill/>
+          <a:ln>
+            <a:noFill/>
+          </a:ln>
+        </p:spPr>
+        <p:style>
+          <a:lnRef idx="2">
+            <a:schemeClr val="accent1">
+              <a:shade val="50000"/>
+            </a:schemeClr>
+          </a:lnRef>
+          <a:fillRef idx="1">
+            <a:schemeClr val="accent1"/>
+          </a:fillRef>
+          <a:effectRef idx="0">
+            <a:schemeClr val="accent1"/>
+          </a:effectRef>
+          <a:fontRef idx="minor">
+            <a:schemeClr val="lt1"/>
+          </a:fontRef>
+        </p:style>
+        <p:txBody>
+          <a:bodyPr rtlCol="0" anchor="ctr"/>
+          <a:lstStyle/>
+          <a:p>
+            <a:r>
+              <a:rPr lang="en-US" sz="3200" dirty="0" err="1">
+                <a:solidFill>
+                  <a:schemeClr val="tx1"/>
+                </a:solidFill>
+              </a:rPr>
+              <a:t>Ngôn</a:t>
+            </a:r>
+            <a:r>
+              <a:rPr lang="en-US" sz="3200" dirty="0">
+                <a:solidFill>
+                  <a:schemeClr val="tx1"/>
+                </a:solidFill>
+              </a:rPr>
+              <a:t> </a:t>
+            </a:r>
+            <a:r>
+              <a:rPr lang="en-US" sz="3200" dirty="0" err="1">
+                <a:solidFill>
+                  <a:schemeClr val="tx1"/>
+                </a:solidFill>
+              </a:rPr>
+              <a:t>ngữ</a:t>
+            </a:r>
+            <a:r>
+              <a:rPr lang="en-US" sz="3200" dirty="0">
+                <a:solidFill>
+                  <a:schemeClr val="tx1"/>
+                </a:solidFill>
+              </a:rPr>
+              <a:t> </a:t>
+            </a:r>
+            <a:r>
+              <a:rPr lang="en-US" sz="3200" dirty="0" err="1">
+                <a:solidFill>
+                  <a:schemeClr val="tx1"/>
+                </a:solidFill>
+              </a:rPr>
+              <a:t>sử</a:t>
+            </a:r>
+            <a:r>
+              <a:rPr lang="en-US" sz="3200" dirty="0">
+                <a:solidFill>
+                  <a:schemeClr val="tx1"/>
+                </a:solidFill>
+              </a:rPr>
+              <a:t> </a:t>
+            </a:r>
+            <a:r>
+              <a:rPr lang="en-US" sz="3200" dirty="0" err="1">
+                <a:solidFill>
+                  <a:schemeClr val="tx1"/>
+                </a:solidFill>
+              </a:rPr>
+              <a:t>dụng</a:t>
+            </a:r>
+            <a:r>
+              <a:rPr lang="en-US" sz="3200" dirty="0">
+                <a:solidFill>
+                  <a:schemeClr val="tx1"/>
+                </a:solidFill>
+              </a:rPr>
+              <a:t>: JavaScript</a:t>
+            </a:r>
+            <a:br>
+              <a:rPr lang="en-US" sz="3200" dirty="0">
+                <a:solidFill>
+                  <a:schemeClr val="tx1"/>
+                </a:solidFill>
+              </a:rPr>
+            </a:br>
+            <a:r>
+              <a:rPr lang="en-US" sz="3200" dirty="0">
+                <a:solidFill>
+                  <a:schemeClr val="tx1"/>
+                </a:solidFill>
+              </a:rPr>
+              <a:t>C</a:t>
+            </a:r>
+            <a:r>
+              <a:rPr lang="vi-VN" sz="3200" dirty="0">
+                <a:solidFill>
+                  <a:schemeClr val="tx1"/>
+                </a:solidFill>
+              </a:rPr>
+              <a:t>ơ</a:t>
+            </a:r>
+            <a:r>
+              <a:rPr lang="en-US" sz="3200" dirty="0">
+                <a:solidFill>
+                  <a:schemeClr val="tx1"/>
+                </a:solidFill>
+              </a:rPr>
+              <a:t> </a:t>
+            </a:r>
+            <a:r>
+              <a:rPr lang="en-US" sz="3200" dirty="0" err="1">
+                <a:solidFill>
+                  <a:schemeClr val="tx1"/>
+                </a:solidFill>
+              </a:rPr>
+              <a:t>sở</a:t>
+            </a:r>
+            <a:r>
+              <a:rPr lang="en-US" sz="3200" dirty="0">
+                <a:solidFill>
+                  <a:schemeClr val="tx1"/>
+                </a:solidFill>
+              </a:rPr>
+              <a:t> </a:t>
+            </a:r>
+            <a:r>
+              <a:rPr lang="en-US" sz="3200" dirty="0" err="1">
+                <a:solidFill>
+                  <a:schemeClr val="tx1"/>
+                </a:solidFill>
+              </a:rPr>
+              <a:t>dữ</a:t>
+            </a:r>
+            <a:r>
+              <a:rPr lang="en-US" sz="3200" dirty="0">
+                <a:solidFill>
+                  <a:schemeClr val="tx1"/>
+                </a:solidFill>
+              </a:rPr>
+              <a:t> </a:t>
+            </a:r>
+            <a:r>
+              <a:rPr lang="en-US" sz="3200" dirty="0" err="1">
+                <a:solidFill>
+                  <a:schemeClr val="tx1"/>
+                </a:solidFill>
+              </a:rPr>
+              <a:t>liệu</a:t>
+            </a:r>
+            <a:r>
+              <a:rPr lang="en-US" sz="3200" dirty="0">
+                <a:solidFill>
+                  <a:schemeClr val="tx1"/>
+                </a:solidFill>
+              </a:rPr>
+              <a:t>: MariaDB</a:t>
+            </a:r>
+          </a:p>
+          <a:p>
+            <a:r>
+              <a:rPr lang="en-US" sz="3200" dirty="0">
+                <a:solidFill>
+                  <a:schemeClr val="tx1"/>
+                </a:solidFill>
+              </a:rPr>
+              <a:t>Backend: Nodejs</a:t>
+            </a:r>
+            <a:br>
+              <a:rPr lang="en-US" sz="3200" dirty="0">
+                <a:solidFill>
+                  <a:schemeClr val="tx1"/>
+                </a:solidFill>
+              </a:rPr>
+            </a:br>
+            <a:r>
+              <a:rPr lang="en-US" sz="3200" dirty="0" err="1">
+                <a:solidFill>
+                  <a:schemeClr val="tx1"/>
+                </a:solidFill>
+              </a:rPr>
+              <a:t>Frontend:ReactJS</a:t>
+            </a:r>
+            <a:endParaRPr lang="en-US" sz="3200" dirty="0">
+              <a:solidFill>
+                <a:schemeClr val="tx1"/>
+              </a:solidFill>
+            </a:endParaRPr>
+          </a:p>
+        </p:txBody>
+      </p:sp>
+      <p:sp>
+        <p:nvSpPr>
+          <p:cNvPr id="4" name="Slide Number Placeholder 3">
+            <a:extLst>
+              <a:ext uri="{FF2B5EF4-FFF2-40B4-BE49-F238E27FC236}">
+                <a16:creationId xmlns:a16="http://schemas.microsoft.com/office/drawing/2014/main" id="{A4C3B44C-EB25-4CEE-A9AA-0AECE93B6FA3}"/>
+              </a:ext>
+            </a:extLst>
+          </p:cNvPr>
+          <p:cNvSpPr>
+            <a:spLocks noGrp="1"/>
+          </p:cNvSpPr>
+          <p:nvPr>
+            <p:ph type="sldNum" sz="quarter" idx="12"/>
+          </p:nvPr>
+        </p:nvSpPr>
+        <p:spPr/>
+        <p:txBody>
+          <a:bodyPr/>
+          <a:lstStyle/>
+          <a:p>
+            <a:fld id="{34B7E4EF-A1BD-40F4-AB7B-04F084DD991D}" type="slidenum">
+              <a:rPr lang="en-US" smtClean="0"/>
+              <a:t>9</a:t>
+            </a:fld>
+            <a:endParaRPr lang="en-US" dirty="0"/>
           </a:p>
         </p:txBody>
       </p:sp>
@@ -6090,13 +6920,13 @@
   <p:clrMapOvr>
     <a:masterClrMapping/>
   </p:clrMapOvr>
-  <mc:AlternateContent xmlns:mc="http://schemas.openxmlformats.org/markup-compatibility/2006">
-    <mc:Choice xmlns:p14="http://schemas.microsoft.com/office/powerpoint/2010/main" Requires="p14">
+  <mc:AlternateContent xmlns:mc="http://schemas.openxmlformats.org/markup-compatibility/2006" xmlns:p14="http://schemas.microsoft.com/office/powerpoint/2010/main">
+    <mc:Choice Requires="p14">
       <p:transition spd="slow" p14:dur="1600">
         <p14:gallery dir="l"/>
       </p:transition>
     </mc:Choice>
-    <mc:Fallback>
+    <mc:Fallback xmlns="">
       <p:transition spd="slow">
         <p:fade/>
       </p:transition>
@@ -6381,25 +7211,302 @@
 </a:theme>
 </file>
 
-<file path=customXml/item1.xml><?xml version="1.0" encoding="utf-8"?>
-<p:properties xmlns:p="http://schemas.microsoft.com/office/2006/metadata/properties" xmlns:xsi="http://www.w3.org/2001/XMLSchema-instance" xmlns:pc="http://schemas.microsoft.com/office/infopath/2007/PartnerControls">
-  <documentManagement>
-    <Status xmlns="71af3243-3dd4-4a8d-8c0d-dd76da1f02a5">Not started</Status>
-    <MediaServiceKeyPoints xmlns="71af3243-3dd4-4a8d-8c0d-dd76da1f02a5" xsi:nil="true"/>
-  </documentManagement>
-</p:properties>
+<file path=ppt/theme/theme2.xml><?xml version="1.0" encoding="utf-8"?>
+<a:theme xmlns:a="http://schemas.openxmlformats.org/drawingml/2006/main" name="Office Theme">
+  <a:themeElements>
+    <a:clrScheme name="Office">
+      <a:dk1>
+        <a:sysClr val="windowText" lastClr="000000"/>
+      </a:dk1>
+      <a:lt1>
+        <a:sysClr val="window" lastClr="FFFFFF"/>
+      </a:lt1>
+      <a:dk2>
+        <a:srgbClr val="44546A"/>
+      </a:dk2>
+      <a:lt2>
+        <a:srgbClr val="E7E6E6"/>
+      </a:lt2>
+      <a:accent1>
+        <a:srgbClr val="4472C4"/>
+      </a:accent1>
+      <a:accent2>
+        <a:srgbClr val="ED7D31"/>
+      </a:accent2>
+      <a:accent3>
+        <a:srgbClr val="A5A5A5"/>
+      </a:accent3>
+      <a:accent4>
+        <a:srgbClr val="FFC000"/>
+      </a:accent4>
+      <a:accent5>
+        <a:srgbClr val="5B9BD5"/>
+      </a:accent5>
+      <a:accent6>
+        <a:srgbClr val="70AD47"/>
+      </a:accent6>
+      <a:hlink>
+        <a:srgbClr val="0563C1"/>
+      </a:hlink>
+      <a:folHlink>
+        <a:srgbClr val="954F72"/>
+      </a:folHlink>
+    </a:clrScheme>
+    <a:fontScheme name="Office">
+      <a:majorFont>
+        <a:latin typeface="Calibri Light" panose="020F0302020204030204"/>
+        <a:ea typeface=""/>
+        <a:cs typeface=""/>
+        <a:font script="Jpan" typeface="游ゴシック Light"/>
+        <a:font script="Hang" typeface="맑은 고딕"/>
+        <a:font script="Hans" typeface="等线 Light"/>
+        <a:font script="Hant" typeface="新細明體"/>
+        <a:font script="Arab" typeface="Times New Roman"/>
+        <a:font script="Hebr" typeface="Times New Roman"/>
+        <a:font script="Thai" typeface="Angsana New"/>
+        <a:font script="Ethi" typeface="Nyala"/>
+        <a:font script="Beng" typeface="Vrinda"/>
+        <a:font script="Gujr" typeface="Shruti"/>
+        <a:font script="Khmr" typeface="MoolBoran"/>
+        <a:font script="Knda" typeface="Tunga"/>
+        <a:font script="Guru" typeface="Raavi"/>
+        <a:font script="Cans" typeface="Euphemia"/>
+        <a:font script="Cher" typeface="Plantagenet Cherokee"/>
+        <a:font script="Yiii" typeface="Microsoft Yi Baiti"/>
+        <a:font script="Tibt" typeface="Microsoft Himalaya"/>
+        <a:font script="Thaa" typeface="MV Boli"/>
+        <a:font script="Deva" typeface="Mangal"/>
+        <a:font script="Telu" typeface="Gautami"/>
+        <a:font script="Taml" typeface="Latha"/>
+        <a:font script="Syrc" typeface="Estrangelo Edessa"/>
+        <a:font script="Orya" typeface="Kalinga"/>
+        <a:font script="Mlym" typeface="Kartika"/>
+        <a:font script="Laoo" typeface="DokChampa"/>
+        <a:font script="Sinh" typeface="Iskoola Pota"/>
+        <a:font script="Mong" typeface="Mongolian Baiti"/>
+        <a:font script="Viet" typeface="Times New Roman"/>
+        <a:font script="Uigh" typeface="Microsoft Uighur"/>
+        <a:font script="Geor" typeface="Sylfaen"/>
+        <a:font script="Armn" typeface="Arial"/>
+        <a:font script="Bugi" typeface="Leelawadee UI"/>
+        <a:font script="Bopo" typeface="Microsoft JhengHei"/>
+        <a:font script="Java" typeface="Javanese Text"/>
+        <a:font script="Lisu" typeface="Segoe UI"/>
+        <a:font script="Mymr" typeface="Myanmar Text"/>
+        <a:font script="Nkoo" typeface="Ebrima"/>
+        <a:font script="Olck" typeface="Nirmala UI"/>
+        <a:font script="Osma" typeface="Ebrima"/>
+        <a:font script="Phag" typeface="Phagspa"/>
+        <a:font script="Syrn" typeface="Estrangelo Edessa"/>
+        <a:font script="Syrj" typeface="Estrangelo Edessa"/>
+        <a:font script="Syre" typeface="Estrangelo Edessa"/>
+        <a:font script="Sora" typeface="Nirmala UI"/>
+        <a:font script="Tale" typeface="Microsoft Tai Le"/>
+        <a:font script="Talu" typeface="Microsoft New Tai Lue"/>
+        <a:font script="Tfng" typeface="Ebrima"/>
+      </a:majorFont>
+      <a:minorFont>
+        <a:latin typeface="Calibri" panose="020F0502020204030204"/>
+        <a:ea typeface=""/>
+        <a:cs typeface=""/>
+        <a:font script="Jpan" typeface="游ゴシック"/>
+        <a:font script="Hang" typeface="맑은 고딕"/>
+        <a:font script="Hans" typeface="等线"/>
+        <a:font script="Hant" typeface="新細明體"/>
+        <a:font script="Arab" typeface="Arial"/>
+        <a:font script="Hebr" typeface="Arial"/>
+        <a:font script="Thai" typeface="Cordia New"/>
+        <a:font script="Ethi" typeface="Nyala"/>
+        <a:font script="Beng" typeface="Vrinda"/>
+        <a:font script="Gujr" typeface="Shruti"/>
+        <a:font script="Khmr" typeface="DaunPenh"/>
+        <a:font script="Knda" typeface="Tunga"/>
+        <a:font script="Guru" typeface="Raavi"/>
+        <a:font script="Cans" typeface="Euphemia"/>
+        <a:font script="Cher" typeface="Plantagenet Cherokee"/>
+        <a:font script="Yiii" typeface="Microsoft Yi Baiti"/>
+        <a:font script="Tibt" typeface="Microsoft Himalaya"/>
+        <a:font script="Thaa" typeface="MV Boli"/>
+        <a:font script="Deva" typeface="Mangal"/>
+        <a:font script="Telu" typeface="Gautami"/>
+        <a:font script="Taml" typeface="Latha"/>
+        <a:font script="Syrc" typeface="Estrangelo Edessa"/>
+        <a:font script="Orya" typeface="Kalinga"/>
+        <a:font script="Mlym" typeface="Kartika"/>
+        <a:font script="Laoo" typeface="DokChampa"/>
+        <a:font script="Sinh" typeface="Iskoola Pota"/>
+        <a:font script="Mong" typeface="Mongolian Baiti"/>
+        <a:font script="Viet" typeface="Arial"/>
+        <a:font script="Uigh" typeface="Microsoft Uighur"/>
+        <a:font script="Geor" typeface="Sylfaen"/>
+        <a:font script="Armn" typeface="Arial"/>
+        <a:font script="Bugi" typeface="Leelawadee UI"/>
+        <a:font script="Bopo" typeface="Microsoft JhengHei"/>
+        <a:font script="Java" typeface="Javanese Text"/>
+        <a:font script="Lisu" typeface="Segoe UI"/>
+        <a:font script="Mymr" typeface="Myanmar Text"/>
+        <a:font script="Nkoo" typeface="Ebrima"/>
+        <a:font script="Olck" typeface="Nirmala UI"/>
+        <a:font script="Osma" typeface="Ebrima"/>
+        <a:font script="Phag" typeface="Phagspa"/>
+        <a:font script="Syrn" typeface="Estrangelo Edessa"/>
+        <a:font script="Syrj" typeface="Estrangelo Edessa"/>
+        <a:font script="Syre" typeface="Estrangelo Edessa"/>
+        <a:font script="Sora" typeface="Nirmala UI"/>
+        <a:font script="Tale" typeface="Microsoft Tai Le"/>
+        <a:font script="Talu" typeface="Microsoft New Tai Lue"/>
+        <a:font script="Tfng" typeface="Ebrima"/>
+      </a:minorFont>
+    </a:fontScheme>
+    <a:fmtScheme name="Office">
+      <a:fillStyleLst>
+        <a:solidFill>
+          <a:schemeClr val="phClr"/>
+        </a:solidFill>
+        <a:gradFill rotWithShape="1">
+          <a:gsLst>
+            <a:gs pos="0">
+              <a:schemeClr val="phClr">
+                <a:lumMod val="110000"/>
+                <a:satMod val="105000"/>
+                <a:tint val="67000"/>
+              </a:schemeClr>
+            </a:gs>
+            <a:gs pos="50000">
+              <a:schemeClr val="phClr">
+                <a:lumMod val="105000"/>
+                <a:satMod val="103000"/>
+                <a:tint val="73000"/>
+              </a:schemeClr>
+            </a:gs>
+            <a:gs pos="100000">
+              <a:schemeClr val="phClr">
+                <a:lumMod val="105000"/>
+                <a:satMod val="109000"/>
+                <a:tint val="81000"/>
+              </a:schemeClr>
+            </a:gs>
+          </a:gsLst>
+          <a:lin ang="5400000" scaled="0"/>
+        </a:gradFill>
+        <a:gradFill rotWithShape="1">
+          <a:gsLst>
+            <a:gs pos="0">
+              <a:schemeClr val="phClr">
+                <a:satMod val="103000"/>
+                <a:lumMod val="102000"/>
+                <a:tint val="94000"/>
+              </a:schemeClr>
+            </a:gs>
+            <a:gs pos="50000">
+              <a:schemeClr val="phClr">
+                <a:satMod val="110000"/>
+                <a:lumMod val="100000"/>
+                <a:shade val="100000"/>
+              </a:schemeClr>
+            </a:gs>
+            <a:gs pos="100000">
+              <a:schemeClr val="phClr">
+                <a:lumMod val="99000"/>
+                <a:satMod val="120000"/>
+                <a:shade val="78000"/>
+              </a:schemeClr>
+            </a:gs>
+          </a:gsLst>
+          <a:lin ang="5400000" scaled="0"/>
+        </a:gradFill>
+      </a:fillStyleLst>
+      <a:lnStyleLst>
+        <a:ln w="6350" cap="flat" cmpd="sng" algn="ctr">
+          <a:solidFill>
+            <a:schemeClr val="phClr"/>
+          </a:solidFill>
+          <a:prstDash val="solid"/>
+          <a:miter lim="800000"/>
+        </a:ln>
+        <a:ln w="12700" cap="flat" cmpd="sng" algn="ctr">
+          <a:solidFill>
+            <a:schemeClr val="phClr"/>
+          </a:solidFill>
+          <a:prstDash val="solid"/>
+          <a:miter lim="800000"/>
+        </a:ln>
+        <a:ln w="19050" cap="flat" cmpd="sng" algn="ctr">
+          <a:solidFill>
+            <a:schemeClr val="phClr"/>
+          </a:solidFill>
+          <a:prstDash val="solid"/>
+          <a:miter lim="800000"/>
+        </a:ln>
+      </a:lnStyleLst>
+      <a:effectStyleLst>
+        <a:effectStyle>
+          <a:effectLst/>
+        </a:effectStyle>
+        <a:effectStyle>
+          <a:effectLst/>
+        </a:effectStyle>
+        <a:effectStyle>
+          <a:effectLst>
+            <a:outerShdw blurRad="57150" dist="19050" dir="5400000" algn="ctr" rotWithShape="0">
+              <a:srgbClr val="000000">
+                <a:alpha val="63000"/>
+              </a:srgbClr>
+            </a:outerShdw>
+          </a:effectLst>
+        </a:effectStyle>
+      </a:effectStyleLst>
+      <a:bgFillStyleLst>
+        <a:solidFill>
+          <a:schemeClr val="phClr"/>
+        </a:solidFill>
+        <a:solidFill>
+          <a:schemeClr val="phClr">
+            <a:tint val="95000"/>
+            <a:satMod val="170000"/>
+          </a:schemeClr>
+        </a:solidFill>
+        <a:gradFill rotWithShape="1">
+          <a:gsLst>
+            <a:gs pos="0">
+              <a:schemeClr val="phClr">
+                <a:tint val="93000"/>
+                <a:satMod val="150000"/>
+                <a:shade val="98000"/>
+                <a:lumMod val="102000"/>
+              </a:schemeClr>
+            </a:gs>
+            <a:gs pos="50000">
+              <a:schemeClr val="phClr">
+                <a:tint val="98000"/>
+                <a:satMod val="130000"/>
+                <a:shade val="90000"/>
+                <a:lumMod val="103000"/>
+              </a:schemeClr>
+            </a:gs>
+            <a:gs pos="100000">
+              <a:schemeClr val="phClr">
+                <a:shade val="63000"/>
+                <a:satMod val="120000"/>
+              </a:schemeClr>
+            </a:gs>
+          </a:gsLst>
+          <a:lin ang="5400000" scaled="0"/>
+        </a:gradFill>
+      </a:bgFillStyleLst>
+    </a:fmtScheme>
+  </a:themeElements>
+  <a:objectDefaults/>
+  <a:extraClrSchemeLst/>
+  <a:extLst>
+    <a:ext uri="{05A4C25C-085E-4340-85A3-A5531E510DB2}">
+      <thm15:themeFamily xmlns:thm15="http://schemas.microsoft.com/office/thememl/2012/main" name="Office Theme" id="{62F939B6-93AF-4DB8-9C6B-D6C7DFDC589F}" vid="{4A3C46E8-61CC-4603-A589-7422A47A8E4A}"/>
+    </a:ext>
+  </a:extLst>
+</a:theme>
 </file>
 
-<file path=customXml/item2.xml><?xml version="1.0" encoding="utf-8"?>
-<?mso-contentType ?>
-<FormTemplates xmlns="http://schemas.microsoft.com/sharepoint/v3/contenttype/forms">
-  <Display>DocumentLibraryForm</Display>
-  <Edit>DocumentLibraryForm</Edit>
-  <New>DocumentLibraryForm</New>
-</FormTemplates>
-</file>
-
-<file path=customXml/item3.xml><?xml version="1.0" encoding="utf-8"?>
+<file path=customXml/item1.xml><?xml version="1.0" encoding="utf-8"?>
 <ct:contentTypeSchema xmlns:ct="http://schemas.microsoft.com/office/2006/metadata/contentType" xmlns:ma="http://schemas.microsoft.com/office/2006/metadata/properties/metaAttributes" ct:_="" ma:_="" ma:contentTypeName="Document" ma:contentTypeID="0x01010079F111ED35F8CC479449609E8A0923A6" ma:contentTypeVersion="12" ma:contentTypeDescription="Create a new document." ma:contentTypeScope="" ma:versionID="a410dd7f93c95333ffa1b60ed6adedd1">
   <xsd:schema xmlns:xsd="http://www.w3.org/2001/XMLSchema" xmlns:xs="http://www.w3.org/2001/XMLSchema" xmlns:p="http://schemas.microsoft.com/office/2006/metadata/properties" xmlns:ns2="71af3243-3dd4-4a8d-8c0d-dd76da1f02a5" xmlns:ns3="16c05727-aa75-4e4a-9b5f-8a80a1165891" targetNamespace="http://schemas.microsoft.com/office/2006/metadata/properties" ma:root="true" ma:fieldsID="a936d9baba76aa3866493feff160faab" ns2:_="" ns3:_="">
     <xsd:import namespace="71af3243-3dd4-4a8d-8c0d-dd76da1f02a5"/>
@@ -6620,25 +7727,25 @@
 </ct:contentTypeSchema>
 </file>
 
-<file path=customXml/itemProps1.xml><?xml version="1.0" encoding="utf-8"?>
-<ds:datastoreItem xmlns:ds="http://schemas.openxmlformats.org/officeDocument/2006/customXml" ds:itemID="{137651BA-F45C-4845-9AB3-E0A65B39F5E1}">
-  <ds:schemaRefs>
-    <ds:schemaRef ds:uri="http://schemas.microsoft.com/office/2006/metadata/properties"/>
-    <ds:schemaRef ds:uri="http://schemas.microsoft.com/office/infopath/2007/PartnerControls"/>
-    <ds:schemaRef ds:uri="71af3243-3dd4-4a8d-8c0d-dd76da1f02a5"/>
-  </ds:schemaRefs>
-</ds:datastoreItem>
+<file path=customXml/item2.xml><?xml version="1.0" encoding="utf-8"?>
+<?mso-contentType ?>
+<FormTemplates xmlns="http://schemas.microsoft.com/sharepoint/v3/contenttype/forms">
+  <Display>DocumentLibraryForm</Display>
+  <Edit>DocumentLibraryForm</Edit>
+  <New>DocumentLibraryForm</New>
+</FormTemplates>
 </file>
 
-<file path=customXml/itemProps2.xml><?xml version="1.0" encoding="utf-8"?>
-<ds:datastoreItem xmlns:ds="http://schemas.openxmlformats.org/officeDocument/2006/customXml" ds:itemID="{CDB58277-F8DF-46FF-84EC-EF41B835E69F}">
-  <ds:schemaRefs>
-    <ds:schemaRef ds:uri="http://schemas.microsoft.com/sharepoint/v3/contenttype/forms"/>
-  </ds:schemaRefs>
-</ds:datastoreItem>
+<file path=customXml/item3.xml><?xml version="1.0" encoding="utf-8"?>
+<p:properties xmlns:p="http://schemas.microsoft.com/office/2006/metadata/properties" xmlns:xsi="http://www.w3.org/2001/XMLSchema-instance" xmlns:pc="http://schemas.microsoft.com/office/infopath/2007/PartnerControls">
+  <documentManagement>
+    <Status xmlns="71af3243-3dd4-4a8d-8c0d-dd76da1f02a5">Not started</Status>
+    <MediaServiceKeyPoints xmlns="71af3243-3dd4-4a8d-8c0d-dd76da1f02a5" xsi:nil="true"/>
+  </documentManagement>
+</p:properties>
 </file>
 
-<file path=customXml/itemProps3.xml><?xml version="1.0" encoding="utf-8"?>
+<file path=customXml/itemProps1.xml><?xml version="1.0" encoding="utf-8"?>
 <ds:datastoreItem xmlns:ds="http://schemas.openxmlformats.org/officeDocument/2006/customXml" ds:itemID="{2D276E62-80A3-44DD-9BCC-97ED2B99B57F}">
   <ds:schemaRefs>
     <ds:schemaRef ds:uri="http://schemas.microsoft.com/office/2006/metadata/contentType"/>
@@ -6655,4 +7762,22 @@
     <ds:schemaRef ds:uri="http://schemas.microsoft.com/internal/obd"/>
   </ds:schemaRefs>
 </ds:datastoreItem>
+</file>
+
+<file path=customXml/itemProps2.xml><?xml version="1.0" encoding="utf-8"?>
+<ds:datastoreItem xmlns:ds="http://schemas.openxmlformats.org/officeDocument/2006/customXml" ds:itemID="{CDB58277-F8DF-46FF-84EC-EF41B835E69F}">
+  <ds:schemaRefs>
+    <ds:schemaRef ds:uri="http://schemas.microsoft.com/sharepoint/v3/contenttype/forms"/>
+  </ds:schemaRefs>
+</ds:datastoreItem>
+</file>
+
+<file path=customXml/itemProps3.xml><?xml version="1.0" encoding="utf-8"?>
+<ds:datastoreItem xmlns:ds="http://schemas.openxmlformats.org/officeDocument/2006/customXml" ds:itemID="{137651BA-F45C-4845-9AB3-E0A65B39F5E1}">
+  <ds:schemaRefs>
+    <ds:schemaRef ds:uri="http://schemas.microsoft.com/office/2006/metadata/properties"/>
+    <ds:schemaRef ds:uri="http://schemas.microsoft.com/office/infopath/2007/PartnerControls"/>
+    <ds:schemaRef ds:uri="71af3243-3dd4-4a8d-8c0d-dd76da1f02a5"/>
+  </ds:schemaRefs>
+</ds:datastoreItem>
 </file>